--- a/Solar presentation.pptx
+++ b/Solar presentation.pptx
@@ -26,8 +26,8 @@
     <p:sldId id="274" r:id="rId17"/>
     <p:sldId id="271" r:id="rId18"/>
     <p:sldId id="278" r:id="rId19"/>
-    <p:sldId id="272" r:id="rId20"/>
-    <p:sldId id="273" r:id="rId21"/>
+    <p:sldId id="273" r:id="rId20"/>
+    <p:sldId id="272" r:id="rId21"/>
     <p:sldId id="279" r:id="rId22"/>
     <p:sldId id="276" r:id="rId23"/>
     <p:sldId id="277" r:id="rId24"/>
@@ -4982,7 +4982,7 @@
             <a:pPr lvl="1"/>
             <a:r>
               <a:rPr lang="en-US" dirty="0"/>
-              <a:t>36 possible model configurations for each stock</a:t>
+              <a:t>36 model configurations for each</a:t>
             </a:r>
           </a:p>
           <a:p>
@@ -6484,7 +6484,7 @@
           <p:cNvPr id="2" name="Title 1">
             <a:extLst>
               <a:ext uri="{FF2B5EF4-FFF2-40B4-BE49-F238E27FC236}">
-                <a16:creationId xmlns:a16="http://schemas.microsoft.com/office/drawing/2014/main" id="{E6820482-B8BF-42E6-AE68-E6D5CEEFCB54}"/>
+                <a16:creationId xmlns:a16="http://schemas.microsoft.com/office/drawing/2014/main" id="{231F3E3D-1BCC-44DC-A317-15F2ACE18C3F}"/>
               </a:ext>
             </a:extLst>
           </p:cNvPr>
@@ -6510,54 +6510,26 @@
             </a:r>
             <a:r>
               <a:rPr lang="en-US" dirty="0"/>
-              <a:t> forecast</a:t>
-            </a:r>
-          </a:p>
-        </p:txBody>
-      </p:sp>
-      <p:sp>
-        <p:nvSpPr>
-          <p:cNvPr id="4" name="Slide Number Placeholder 3">
-            <a:extLst>
-              <a:ext uri="{FF2B5EF4-FFF2-40B4-BE49-F238E27FC236}">
-                <a16:creationId xmlns:a16="http://schemas.microsoft.com/office/drawing/2014/main" id="{4182B2E3-829F-4111-92CB-68B5A1E0EB06}"/>
-              </a:ext>
-            </a:extLst>
-          </p:cNvPr>
-          <p:cNvSpPr>
-            <a:spLocks noGrp="1"/>
-          </p:cNvSpPr>
-          <p:nvPr>
-            <p:ph type="sldNum" sz="quarter" idx="12"/>
-          </p:nvPr>
-        </p:nvSpPr>
-        <p:spPr/>
-        <p:txBody>
-          <a:bodyPr/>
-          <a:lstStyle/>
-          <a:p>
-            <a:fld id="{D57F1E4F-1CFF-5643-939E-217C01CDF565}" type="slidenum">
-              <a:rPr lang="en-US" smtClean="0"/>
-              <a:pPr/>
-              <a:t>19</a:t>
-            </a:fld>
-            <a:endParaRPr lang="en-US" dirty="0"/>
+              <a:t> decomposition</a:t>
+            </a:r>
           </a:p>
         </p:txBody>
       </p:sp>
       <p:pic>
         <p:nvPicPr>
-          <p:cNvPr id="5" name="Picture 4">
-            <a:extLst>
-              <a:ext uri="{FF2B5EF4-FFF2-40B4-BE49-F238E27FC236}">
-                <a16:creationId xmlns:a16="http://schemas.microsoft.com/office/drawing/2014/main" id="{E9BA1527-FA63-4E3C-A7AF-29A8C41A99CE}"/>
+          <p:cNvPr id="5" name="Content Placeholder 4">
+            <a:extLst>
+              <a:ext uri="{FF2B5EF4-FFF2-40B4-BE49-F238E27FC236}">
+                <a16:creationId xmlns:a16="http://schemas.microsoft.com/office/drawing/2014/main" id="{AA3EABFB-85EF-487E-ABDC-C049E4B5BEAA}"/>
               </a:ext>
             </a:extLst>
           </p:cNvPr>
           <p:cNvPicPr>
-            <a:picLocks noChangeAspect="1"/>
+            <a:picLocks noGrp="1" noChangeAspect="1"/>
           </p:cNvPicPr>
-          <p:nvPr/>
+          <p:nvPr>
+            <p:ph idx="1"/>
+          </p:nvPr>
         </p:nvPicPr>
         <p:blipFill>
           <a:blip r:embed="rId2"/>
@@ -6567,50 +6539,50 @@
         </p:blipFill>
         <p:spPr>
           <a:xfrm>
-            <a:off x="405346" y="1966404"/>
-            <a:ext cx="5372652" cy="3511203"/>
+            <a:off x="1324266" y="2039816"/>
+            <a:ext cx="4698620" cy="4615966"/>
           </a:xfrm>
           <a:prstGeom prst="rect">
             <a:avLst/>
           </a:prstGeom>
         </p:spPr>
       </p:pic>
-      <p:pic>
-        <p:nvPicPr>
-          <p:cNvPr id="7" name="Picture 6">
-            <a:extLst>
-              <a:ext uri="{FF2B5EF4-FFF2-40B4-BE49-F238E27FC236}">
-                <a16:creationId xmlns:a16="http://schemas.microsoft.com/office/drawing/2014/main" id="{7EAC173C-FACA-4B71-8D71-1968E9EEB11E}"/>
-              </a:ext>
-            </a:extLst>
-          </p:cNvPr>
-          <p:cNvPicPr>
-            <a:picLocks noChangeAspect="1"/>
-          </p:cNvPicPr>
-          <p:nvPr/>
-        </p:nvPicPr>
-        <p:blipFill>
-          <a:blip r:embed="rId3"/>
-          <a:stretch>
-            <a:fillRect/>
-          </a:stretch>
-        </p:blipFill>
-        <p:spPr>
-          <a:xfrm>
-            <a:off x="6096000" y="3601963"/>
-            <a:ext cx="5643988" cy="3149238"/>
-          </a:xfrm>
-          <a:prstGeom prst="rect">
-            <a:avLst/>
-          </a:prstGeom>
-        </p:spPr>
-      </p:pic>
-      <p:sp>
-        <p:nvSpPr>
-          <p:cNvPr id="11" name="Content Placeholder 2">
-            <a:extLst>
-              <a:ext uri="{FF2B5EF4-FFF2-40B4-BE49-F238E27FC236}">
-                <a16:creationId xmlns:a16="http://schemas.microsoft.com/office/drawing/2014/main" id="{C9D62D4E-4326-4788-9B17-6512AD428687}"/>
+      <p:sp>
+        <p:nvSpPr>
+          <p:cNvPr id="4" name="Slide Number Placeholder 3">
+            <a:extLst>
+              <a:ext uri="{FF2B5EF4-FFF2-40B4-BE49-F238E27FC236}">
+                <a16:creationId xmlns:a16="http://schemas.microsoft.com/office/drawing/2014/main" id="{8C663BB1-AB77-42B1-A105-BDA0500ECEEF}"/>
+              </a:ext>
+            </a:extLst>
+          </p:cNvPr>
+          <p:cNvSpPr>
+            <a:spLocks noGrp="1"/>
+          </p:cNvSpPr>
+          <p:nvPr>
+            <p:ph type="sldNum" sz="quarter" idx="12"/>
+          </p:nvPr>
+        </p:nvSpPr>
+        <p:spPr/>
+        <p:txBody>
+          <a:bodyPr/>
+          <a:lstStyle/>
+          <a:p>
+            <a:fld id="{D57F1E4F-1CFF-5643-939E-217C01CDF565}" type="slidenum">
+              <a:rPr lang="en-US" smtClean="0"/>
+              <a:pPr/>
+              <a:t>19</a:t>
+            </a:fld>
+            <a:endParaRPr lang="en-US" dirty="0"/>
+          </a:p>
+        </p:txBody>
+      </p:sp>
+      <p:sp>
+        <p:nvSpPr>
+          <p:cNvPr id="6" name="Content Placeholder 2">
+            <a:extLst>
+              <a:ext uri="{FF2B5EF4-FFF2-40B4-BE49-F238E27FC236}">
+                <a16:creationId xmlns:a16="http://schemas.microsoft.com/office/drawing/2014/main" id="{F20130AB-6715-476B-98B0-E6BA473ACA2C}"/>
               </a:ext>
             </a:extLst>
           </p:cNvPr>
@@ -6621,8 +6593,8 @@
         </p:nvSpPr>
         <p:spPr>
           <a:xfrm>
-            <a:off x="6495589" y="2282146"/>
-            <a:ext cx="4833814" cy="1301004"/>
+            <a:off x="6914481" y="2180496"/>
+            <a:ext cx="4696326" cy="3678303"/>
           </a:xfrm>
           <a:prstGeom prst="rect">
             <a:avLst/>
@@ -6835,24 +6807,34 @@
           <a:p>
             <a:r>
               <a:rPr lang="en-US" dirty="0"/>
-              <a:t>Negative outlook</a:t>
-            </a:r>
-          </a:p>
-          <a:p>
-            <a:r>
-              <a:rPr lang="en-US" dirty="0"/>
-              <a:t>Validation changepoint sensitivity = 1.0</a:t>
-            </a:r>
-          </a:p>
-          <a:p>
-            <a:endParaRPr lang="en-US" dirty="0"/>
+              <a:t>Decreasing overall trend</a:t>
+            </a:r>
+          </a:p>
+          <a:p>
+            <a:pPr lvl="1"/>
+            <a:r>
+              <a:rPr lang="en-US" dirty="0"/>
+              <a:t>Lot of uncertainty</a:t>
+            </a:r>
+          </a:p>
+          <a:p>
+            <a:r>
+              <a:rPr lang="en-US" dirty="0"/>
+              <a:t>Yearly pattern likely noise</a:t>
+            </a:r>
+          </a:p>
+          <a:p>
+            <a:r>
+              <a:rPr lang="en-US" dirty="0"/>
+              <a:t>Weekly pattern…?</a:t>
+            </a:r>
           </a:p>
         </p:txBody>
       </p:sp>
     </p:spTree>
     <p:extLst>
       <p:ext uri="{BB962C8B-B14F-4D97-AF65-F5344CB8AC3E}">
-        <p14:creationId xmlns:p14="http://schemas.microsoft.com/office/powerpoint/2010/main" val="1570248341"/>
+        <p14:creationId xmlns:p14="http://schemas.microsoft.com/office/powerpoint/2010/main" val="1017071571"/>
       </p:ext>
     </p:extLst>
   </p:cSld>
@@ -7009,7 +6991,7 @@
           <p:cNvPr id="2" name="Title 1">
             <a:extLst>
               <a:ext uri="{FF2B5EF4-FFF2-40B4-BE49-F238E27FC236}">
-                <a16:creationId xmlns:a16="http://schemas.microsoft.com/office/drawing/2014/main" id="{231F3E3D-1BCC-44DC-A317-15F2ACE18C3F}"/>
+                <a16:creationId xmlns:a16="http://schemas.microsoft.com/office/drawing/2014/main" id="{E6820482-B8BF-42E6-AE68-E6D5CEEFCB54}"/>
               </a:ext>
             </a:extLst>
           </p:cNvPr>
@@ -7035,26 +7017,54 @@
             </a:r>
             <a:r>
               <a:rPr lang="en-US" dirty="0"/>
-              <a:t> decomposition</a:t>
-            </a:r>
+              <a:t> forecast</a:t>
+            </a:r>
+          </a:p>
+        </p:txBody>
+      </p:sp>
+      <p:sp>
+        <p:nvSpPr>
+          <p:cNvPr id="4" name="Slide Number Placeholder 3">
+            <a:extLst>
+              <a:ext uri="{FF2B5EF4-FFF2-40B4-BE49-F238E27FC236}">
+                <a16:creationId xmlns:a16="http://schemas.microsoft.com/office/drawing/2014/main" id="{4182B2E3-829F-4111-92CB-68B5A1E0EB06}"/>
+              </a:ext>
+            </a:extLst>
+          </p:cNvPr>
+          <p:cNvSpPr>
+            <a:spLocks noGrp="1"/>
+          </p:cNvSpPr>
+          <p:nvPr>
+            <p:ph type="sldNum" sz="quarter" idx="12"/>
+          </p:nvPr>
+        </p:nvSpPr>
+        <p:spPr/>
+        <p:txBody>
+          <a:bodyPr/>
+          <a:lstStyle/>
+          <a:p>
+            <a:fld id="{D57F1E4F-1CFF-5643-939E-217C01CDF565}" type="slidenum">
+              <a:rPr lang="en-US" smtClean="0"/>
+              <a:pPr/>
+              <a:t>20</a:t>
+            </a:fld>
+            <a:endParaRPr lang="en-US" dirty="0"/>
           </a:p>
         </p:txBody>
       </p:sp>
       <p:pic>
         <p:nvPicPr>
-          <p:cNvPr id="5" name="Content Placeholder 4">
-            <a:extLst>
-              <a:ext uri="{FF2B5EF4-FFF2-40B4-BE49-F238E27FC236}">
-                <a16:creationId xmlns:a16="http://schemas.microsoft.com/office/drawing/2014/main" id="{AA3EABFB-85EF-487E-ABDC-C049E4B5BEAA}"/>
+          <p:cNvPr id="5" name="Picture 4">
+            <a:extLst>
+              <a:ext uri="{FF2B5EF4-FFF2-40B4-BE49-F238E27FC236}">
+                <a16:creationId xmlns:a16="http://schemas.microsoft.com/office/drawing/2014/main" id="{E9BA1527-FA63-4E3C-A7AF-29A8C41A99CE}"/>
               </a:ext>
             </a:extLst>
           </p:cNvPr>
           <p:cNvPicPr>
-            <a:picLocks noGrp="1" noChangeAspect="1"/>
+            <a:picLocks noChangeAspect="1"/>
           </p:cNvPicPr>
-          <p:nvPr>
-            <p:ph idx="1"/>
-          </p:nvPr>
+          <p:nvPr/>
         </p:nvPicPr>
         <p:blipFill>
           <a:blip r:embed="rId2"/>
@@ -7064,50 +7074,50 @@
         </p:blipFill>
         <p:spPr>
           <a:xfrm>
-            <a:off x="1324266" y="2039816"/>
-            <a:ext cx="4698620" cy="4615966"/>
+            <a:off x="405346" y="1966404"/>
+            <a:ext cx="5372652" cy="3511203"/>
           </a:xfrm>
           <a:prstGeom prst="rect">
             <a:avLst/>
           </a:prstGeom>
         </p:spPr>
       </p:pic>
-      <p:sp>
-        <p:nvSpPr>
-          <p:cNvPr id="4" name="Slide Number Placeholder 3">
-            <a:extLst>
-              <a:ext uri="{FF2B5EF4-FFF2-40B4-BE49-F238E27FC236}">
-                <a16:creationId xmlns:a16="http://schemas.microsoft.com/office/drawing/2014/main" id="{8C663BB1-AB77-42B1-A105-BDA0500ECEEF}"/>
-              </a:ext>
-            </a:extLst>
-          </p:cNvPr>
-          <p:cNvSpPr>
-            <a:spLocks noGrp="1"/>
-          </p:cNvSpPr>
-          <p:nvPr>
-            <p:ph type="sldNum" sz="quarter" idx="12"/>
-          </p:nvPr>
-        </p:nvSpPr>
-        <p:spPr/>
-        <p:txBody>
-          <a:bodyPr/>
-          <a:lstStyle/>
-          <a:p>
-            <a:fld id="{D57F1E4F-1CFF-5643-939E-217C01CDF565}" type="slidenum">
-              <a:rPr lang="en-US" smtClean="0"/>
-              <a:pPr/>
-              <a:t>20</a:t>
-            </a:fld>
-            <a:endParaRPr lang="en-US" dirty="0"/>
-          </a:p>
-        </p:txBody>
-      </p:sp>
-      <p:sp>
-        <p:nvSpPr>
-          <p:cNvPr id="6" name="Content Placeholder 2">
-            <a:extLst>
-              <a:ext uri="{FF2B5EF4-FFF2-40B4-BE49-F238E27FC236}">
-                <a16:creationId xmlns:a16="http://schemas.microsoft.com/office/drawing/2014/main" id="{F20130AB-6715-476B-98B0-E6BA473ACA2C}"/>
+      <p:pic>
+        <p:nvPicPr>
+          <p:cNvPr id="7" name="Picture 6">
+            <a:extLst>
+              <a:ext uri="{FF2B5EF4-FFF2-40B4-BE49-F238E27FC236}">
+                <a16:creationId xmlns:a16="http://schemas.microsoft.com/office/drawing/2014/main" id="{7EAC173C-FACA-4B71-8D71-1968E9EEB11E}"/>
+              </a:ext>
+            </a:extLst>
+          </p:cNvPr>
+          <p:cNvPicPr>
+            <a:picLocks noChangeAspect="1"/>
+          </p:cNvPicPr>
+          <p:nvPr/>
+        </p:nvPicPr>
+        <p:blipFill>
+          <a:blip r:embed="rId3"/>
+          <a:stretch>
+            <a:fillRect/>
+          </a:stretch>
+        </p:blipFill>
+        <p:spPr>
+          <a:xfrm>
+            <a:off x="6096000" y="3601963"/>
+            <a:ext cx="5643988" cy="3149238"/>
+          </a:xfrm>
+          <a:prstGeom prst="rect">
+            <a:avLst/>
+          </a:prstGeom>
+        </p:spPr>
+      </p:pic>
+      <p:sp>
+        <p:nvSpPr>
+          <p:cNvPr id="11" name="Content Placeholder 2">
+            <a:extLst>
+              <a:ext uri="{FF2B5EF4-FFF2-40B4-BE49-F238E27FC236}">
+                <a16:creationId xmlns:a16="http://schemas.microsoft.com/office/drawing/2014/main" id="{C9D62D4E-4326-4788-9B17-6512AD428687}"/>
               </a:ext>
             </a:extLst>
           </p:cNvPr>
@@ -7118,8 +7128,8 @@
         </p:nvSpPr>
         <p:spPr>
           <a:xfrm>
-            <a:off x="6914481" y="2180496"/>
-            <a:ext cx="4696326" cy="3678303"/>
+            <a:off x="6495589" y="2282146"/>
+            <a:ext cx="4833814" cy="1301004"/>
           </a:xfrm>
           <a:prstGeom prst="rect">
             <a:avLst/>
@@ -7332,34 +7342,24 @@
           <a:p>
             <a:r>
               <a:rPr lang="en-US" dirty="0"/>
-              <a:t>Decreasing overall trend</a:t>
-            </a:r>
-          </a:p>
-          <a:p>
-            <a:pPr lvl="1"/>
-            <a:r>
-              <a:rPr lang="en-US" dirty="0"/>
-              <a:t>Lot of uncertainty</a:t>
-            </a:r>
-          </a:p>
-          <a:p>
-            <a:r>
-              <a:rPr lang="en-US" dirty="0"/>
-              <a:t>Yearly pattern likely noise</a:t>
-            </a:r>
-          </a:p>
-          <a:p>
-            <a:r>
-              <a:rPr lang="en-US" dirty="0"/>
-              <a:t>Weekly pattern…?</a:t>
-            </a:r>
+              <a:t>Negative outlook</a:t>
+            </a:r>
+          </a:p>
+          <a:p>
+            <a:r>
+              <a:rPr lang="en-US" dirty="0"/>
+              <a:t>Validation changepoint sensitivity = 1.0</a:t>
+            </a:r>
+          </a:p>
+          <a:p>
+            <a:endParaRPr lang="en-US" dirty="0"/>
           </a:p>
         </p:txBody>
       </p:sp>
     </p:spTree>
     <p:extLst>
       <p:ext uri="{BB962C8B-B14F-4D97-AF65-F5344CB8AC3E}">
-        <p14:creationId xmlns:p14="http://schemas.microsoft.com/office/powerpoint/2010/main" val="1017071571"/>
+        <p14:creationId xmlns:p14="http://schemas.microsoft.com/office/powerpoint/2010/main" val="1570248341"/>
       </p:ext>
     </p:extLst>
   </p:cSld>
